--- a/DirectXImage.pptx
+++ b/DirectXImage.pptx
@@ -113,6 +113,11 @@
       </a:defRPr>
     </a:lvl9pPr>
   </p:defaultTextStyle>
+  <p:extLst>
+    <p:ext uri="{EFAFB233-063F-42B5-8137-9DF3F51BA10A}">
+      <p15:sldGuideLst xmlns:p15="http://schemas.microsoft.com/office/powerpoint/2012/main"/>
+    </p:ext>
+  </p:extLst>
 </p:presentation>
 </file>
 
@@ -198,7 +203,7 @@
           <a:p>
             <a:fld id="{6DEFC545-184C-46B8-856F-DA8598283A2A}" type="datetimeFigureOut">
               <a:rPr kumimoji="1" lang="ja-JP" altLang="en-US" smtClean="0"/>
-              <a:t>2021/12/31</a:t>
+              <a:t>2022/1/14</a:t>
             </a:fld>
             <a:endParaRPr kumimoji="1" lang="ja-JP" altLang="en-US"/>
           </a:p>
@@ -693,7 +698,7 @@
           <a:p>
             <a:fld id="{34C586F5-F7A9-41E4-9F94-B83B02444E5C}" type="datetimeFigureOut">
               <a:rPr kumimoji="1" lang="ja-JP" altLang="en-US" smtClean="0"/>
-              <a:t>2021/12/31</a:t>
+              <a:t>2022/1/14</a:t>
             </a:fld>
             <a:endParaRPr kumimoji="1" lang="ja-JP" altLang="en-US"/>
           </a:p>
@@ -946,7 +951,7 @@
           <a:p>
             <a:fld id="{34C586F5-F7A9-41E4-9F94-B83B02444E5C}" type="datetimeFigureOut">
               <a:rPr kumimoji="1" lang="ja-JP" altLang="en-US" smtClean="0"/>
-              <a:t>2021/12/31</a:t>
+              <a:t>2022/1/14</a:t>
             </a:fld>
             <a:endParaRPr kumimoji="1" lang="ja-JP" altLang="en-US"/>
           </a:p>
@@ -1158,7 +1163,7 @@
           <a:p>
             <a:fld id="{34C586F5-F7A9-41E4-9F94-B83B02444E5C}" type="datetimeFigureOut">
               <a:rPr kumimoji="1" lang="ja-JP" altLang="en-US" smtClean="0"/>
-              <a:t>2021/12/31</a:t>
+              <a:t>2022/1/14</a:t>
             </a:fld>
             <a:endParaRPr kumimoji="1" lang="ja-JP" altLang="en-US"/>
           </a:p>
@@ -1360,7 +1365,7 @@
           <a:p>
             <a:fld id="{34C586F5-F7A9-41E4-9F94-B83B02444E5C}" type="datetimeFigureOut">
               <a:rPr kumimoji="1" lang="ja-JP" altLang="en-US" smtClean="0"/>
-              <a:t>2021/12/31</a:t>
+              <a:t>2022/1/14</a:t>
             </a:fld>
             <a:endParaRPr kumimoji="1" lang="ja-JP" altLang="en-US"/>
           </a:p>
@@ -1611,7 +1616,7 @@
           <a:p>
             <a:fld id="{34C586F5-F7A9-41E4-9F94-B83B02444E5C}" type="datetimeFigureOut">
               <a:rPr kumimoji="1" lang="ja-JP" altLang="en-US" smtClean="0"/>
-              <a:t>2021/12/31</a:t>
+              <a:t>2022/1/14</a:t>
             </a:fld>
             <a:endParaRPr kumimoji="1" lang="ja-JP" altLang="en-US"/>
           </a:p>
@@ -1998,7 +2003,7 @@
           <a:p>
             <a:fld id="{34C586F5-F7A9-41E4-9F94-B83B02444E5C}" type="datetimeFigureOut">
               <a:rPr kumimoji="1" lang="ja-JP" altLang="en-US" smtClean="0"/>
-              <a:t>2021/12/31</a:t>
+              <a:t>2022/1/14</a:t>
             </a:fld>
             <a:endParaRPr kumimoji="1" lang="ja-JP" altLang="en-US"/>
           </a:p>
@@ -2486,7 +2491,7 @@
           <a:p>
             <a:fld id="{34C586F5-F7A9-41E4-9F94-B83B02444E5C}" type="datetimeFigureOut">
               <a:rPr kumimoji="1" lang="ja-JP" altLang="en-US" smtClean="0"/>
-              <a:t>2021/12/31</a:t>
+              <a:t>2022/1/14</a:t>
             </a:fld>
             <a:endParaRPr kumimoji="1" lang="ja-JP" altLang="en-US"/>
           </a:p>
@@ -2604,7 +2609,7 @@
           <a:p>
             <a:fld id="{34C586F5-F7A9-41E4-9F94-B83B02444E5C}" type="datetimeFigureOut">
               <a:rPr kumimoji="1" lang="ja-JP" altLang="en-US" smtClean="0"/>
-              <a:t>2021/12/31</a:t>
+              <a:t>2022/1/14</a:t>
             </a:fld>
             <a:endParaRPr kumimoji="1" lang="ja-JP" altLang="en-US"/>
           </a:p>
@@ -2699,7 +2704,7 @@
           <a:p>
             <a:fld id="{34C586F5-F7A9-41E4-9F94-B83B02444E5C}" type="datetimeFigureOut">
               <a:rPr kumimoji="1" lang="ja-JP" altLang="en-US" smtClean="0"/>
-              <a:t>2021/12/31</a:t>
+              <a:t>2022/1/14</a:t>
             </a:fld>
             <a:endParaRPr kumimoji="1" lang="ja-JP" altLang="en-US"/>
           </a:p>
@@ -3021,7 +3026,7 @@
           <a:p>
             <a:fld id="{34C586F5-F7A9-41E4-9F94-B83B02444E5C}" type="datetimeFigureOut">
               <a:rPr kumimoji="1" lang="ja-JP" altLang="en-US" smtClean="0"/>
-              <a:t>2021/12/31</a:t>
+              <a:t>2022/1/14</a:t>
             </a:fld>
             <a:endParaRPr kumimoji="1" lang="ja-JP" altLang="en-US"/>
           </a:p>
@@ -3293,7 +3298,7 @@
           <a:p>
             <a:fld id="{34C586F5-F7A9-41E4-9F94-B83B02444E5C}" type="datetimeFigureOut">
               <a:rPr kumimoji="1" lang="ja-JP" altLang="en-US" smtClean="0"/>
-              <a:t>2021/12/31</a:t>
+              <a:t>2022/1/14</a:t>
             </a:fld>
             <a:endParaRPr kumimoji="1" lang="ja-JP" altLang="en-US"/>
           </a:p>
@@ -3579,7 +3584,7 @@
           <a:p>
             <a:fld id="{34C586F5-F7A9-41E4-9F94-B83B02444E5C}" type="datetimeFigureOut">
               <a:rPr kumimoji="1" lang="ja-JP" altLang="en-US" smtClean="0"/>
-              <a:t>2021/12/31</a:t>
+              <a:t>2022/1/14</a:t>
             </a:fld>
             <a:endParaRPr kumimoji="1" lang="ja-JP" altLang="en-US"/>
           </a:p>
@@ -14011,6 +14016,893 @@
           <a:chExt cx="0" cy="0"/>
         </a:xfrm>
       </p:grpSpPr>
+      <p:grpSp>
+        <p:nvGrpSpPr>
+          <p:cNvPr id="37" name="グループ化 36">
+            <a:extLst>
+              <a:ext uri="{FF2B5EF4-FFF2-40B4-BE49-F238E27FC236}">
+                <a16:creationId xmlns:a16="http://schemas.microsoft.com/office/drawing/2014/main" id="{7DE37988-F5AE-4D40-A1EA-0B8F8353BF14}"/>
+              </a:ext>
+            </a:extLst>
+          </p:cNvPr>
+          <p:cNvGrpSpPr/>
+          <p:nvPr/>
+        </p:nvGrpSpPr>
+        <p:grpSpPr>
+          <a:xfrm>
+            <a:off x="220436" y="244929"/>
+            <a:ext cx="11723914" cy="6376308"/>
+            <a:chOff x="220436" y="244929"/>
+            <a:chExt cx="11723914" cy="6376308"/>
+          </a:xfrm>
+        </p:grpSpPr>
+        <p:sp>
+          <p:nvSpPr>
+            <p:cNvPr id="36" name="正方形/長方形 35">
+              <a:extLst>
+                <a:ext uri="{FF2B5EF4-FFF2-40B4-BE49-F238E27FC236}">
+                  <a16:creationId xmlns:a16="http://schemas.microsoft.com/office/drawing/2014/main" id="{461EB0FD-C770-4250-8EAF-5D5900FA2EC4}"/>
+                </a:ext>
+              </a:extLst>
+            </p:cNvPr>
+            <p:cNvSpPr/>
+            <p:nvPr/>
+          </p:nvSpPr>
+          <p:spPr>
+            <a:xfrm>
+              <a:off x="220436" y="244929"/>
+              <a:ext cx="11723914" cy="6376308"/>
+            </a:xfrm>
+            <a:prstGeom prst="rect">
+              <a:avLst/>
+            </a:prstGeom>
+            <a:solidFill>
+              <a:schemeClr val="bg1"/>
+            </a:solidFill>
+          </p:spPr>
+          <p:style>
+            <a:lnRef idx="2">
+              <a:schemeClr val="accent1">
+                <a:shade val="50000"/>
+              </a:schemeClr>
+            </a:lnRef>
+            <a:fillRef idx="1">
+              <a:schemeClr val="accent1"/>
+            </a:fillRef>
+            <a:effectRef idx="0">
+              <a:schemeClr val="accent1"/>
+            </a:effectRef>
+            <a:fontRef idx="minor">
+              <a:schemeClr val="lt1"/>
+            </a:fontRef>
+          </p:style>
+          <p:txBody>
+            <a:bodyPr rtlCol="0" anchor="ctr"/>
+            <a:lstStyle/>
+            <a:p>
+              <a:pPr algn="ctr"/>
+              <a:endParaRPr kumimoji="1" lang="ja-JP" altLang="en-US"/>
+            </a:p>
+          </p:txBody>
+        </p:sp>
+        <p:grpSp>
+          <p:nvGrpSpPr>
+            <p:cNvPr id="35" name="グループ化 34">
+              <a:extLst>
+                <a:ext uri="{FF2B5EF4-FFF2-40B4-BE49-F238E27FC236}">
+                  <a16:creationId xmlns:a16="http://schemas.microsoft.com/office/drawing/2014/main" id="{29CBDC57-8926-4132-B6C7-A39E77949FF2}"/>
+                </a:ext>
+              </a:extLst>
+            </p:cNvPr>
+            <p:cNvGrpSpPr/>
+            <p:nvPr/>
+          </p:nvGrpSpPr>
+          <p:grpSpPr>
+            <a:xfrm>
+              <a:off x="561473" y="798095"/>
+              <a:ext cx="11069054" cy="5261810"/>
+              <a:chOff x="561473" y="798095"/>
+              <a:chExt cx="11069054" cy="5261810"/>
+            </a:xfrm>
+          </p:grpSpPr>
+          <p:cxnSp>
+            <p:nvCxnSpPr>
+              <p:cNvPr id="14" name="コネクタ: カギ線 13">
+                <a:extLst>
+                  <a:ext uri="{FF2B5EF4-FFF2-40B4-BE49-F238E27FC236}">
+                    <a16:creationId xmlns:a16="http://schemas.microsoft.com/office/drawing/2014/main" id="{E25C5C95-8201-4B69-8066-C06C81C65CF0}"/>
+                  </a:ext>
+                </a:extLst>
+              </p:cNvPr>
+              <p:cNvCxnSpPr>
+                <a:stCxn id="2" idx="2"/>
+                <a:endCxn id="8" idx="0"/>
+              </p:cNvCxnSpPr>
+              <p:nvPr/>
+            </p:nvCxnSpPr>
+            <p:spPr>
+              <a:xfrm rot="5400000">
+                <a:off x="2677028" y="1874921"/>
+                <a:ext cx="4050629" cy="2602831"/>
+              </a:xfrm>
+              <a:prstGeom prst="bentConnector3">
+                <a:avLst>
+                  <a:gd name="adj1" fmla="val 80651"/>
+                </a:avLst>
+              </a:prstGeom>
+              <a:ln w="57150">
+                <a:tailEnd type="triangle"/>
+              </a:ln>
+            </p:spPr>
+            <p:style>
+              <a:lnRef idx="2">
+                <a:schemeClr val="dk1"/>
+              </a:lnRef>
+              <a:fillRef idx="0">
+                <a:schemeClr val="dk1"/>
+              </a:fillRef>
+              <a:effectRef idx="1">
+                <a:schemeClr val="dk1"/>
+              </a:effectRef>
+              <a:fontRef idx="minor">
+                <a:schemeClr val="tx1"/>
+              </a:fontRef>
+            </p:style>
+          </p:cxnSp>
+          <p:cxnSp>
+            <p:nvCxnSpPr>
+              <p:cNvPr id="16" name="コネクタ: カギ線 15">
+                <a:extLst>
+                  <a:ext uri="{FF2B5EF4-FFF2-40B4-BE49-F238E27FC236}">
+                    <a16:creationId xmlns:a16="http://schemas.microsoft.com/office/drawing/2014/main" id="{CF924A12-3BB1-4466-9906-F604D4E7D919}"/>
+                  </a:ext>
+                </a:extLst>
+              </p:cNvPr>
+              <p:cNvCxnSpPr>
+                <a:cxnSpLocks/>
+                <a:stCxn id="2" idx="2"/>
+                <a:endCxn id="11" idx="0"/>
+              </p:cNvCxnSpPr>
+              <p:nvPr/>
+            </p:nvCxnSpPr>
+            <p:spPr>
+              <a:xfrm rot="16200000" flipH="1">
+                <a:off x="5534527" y="1620252"/>
+                <a:ext cx="4050630" cy="3112170"/>
+              </a:xfrm>
+              <a:prstGeom prst="bentConnector3">
+                <a:avLst>
+                  <a:gd name="adj1" fmla="val 80650"/>
+                </a:avLst>
+              </a:prstGeom>
+              <a:ln w="57150">
+                <a:tailEnd type="triangle"/>
+              </a:ln>
+            </p:spPr>
+            <p:style>
+              <a:lnRef idx="2">
+                <a:schemeClr val="dk1"/>
+              </a:lnRef>
+              <a:fillRef idx="0">
+                <a:schemeClr val="dk1"/>
+              </a:fillRef>
+              <a:effectRef idx="1">
+                <a:schemeClr val="dk1"/>
+              </a:effectRef>
+              <a:fontRef idx="minor">
+                <a:schemeClr val="tx1"/>
+              </a:fontRef>
+            </p:style>
+          </p:cxnSp>
+          <p:sp>
+            <p:nvSpPr>
+              <p:cNvPr id="2" name="四角形: 角を丸くする 1">
+                <a:extLst>
+                  <a:ext uri="{FF2B5EF4-FFF2-40B4-BE49-F238E27FC236}">
+                    <a16:creationId xmlns:a16="http://schemas.microsoft.com/office/drawing/2014/main" id="{02EFE423-BBDA-4E42-8327-024C76FC4538}"/>
+                  </a:ext>
+                </a:extLst>
+              </p:cNvPr>
+              <p:cNvSpPr/>
+              <p:nvPr/>
+            </p:nvSpPr>
+            <p:spPr>
+              <a:xfrm>
+                <a:off x="3814010" y="798095"/>
+                <a:ext cx="4379494" cy="352927"/>
+              </a:xfrm>
+              <a:prstGeom prst="roundRect">
+                <a:avLst/>
+              </a:prstGeom>
+            </p:spPr>
+            <p:style>
+              <a:lnRef idx="2">
+                <a:schemeClr val="accent1">
+                  <a:shade val="50000"/>
+                </a:schemeClr>
+              </a:lnRef>
+              <a:fillRef idx="1">
+                <a:schemeClr val="accent1"/>
+              </a:fillRef>
+              <a:effectRef idx="0">
+                <a:schemeClr val="accent1"/>
+              </a:effectRef>
+              <a:fontRef idx="minor">
+                <a:schemeClr val="lt1"/>
+              </a:fontRef>
+            </p:style>
+            <p:txBody>
+              <a:bodyPr rtlCol="0" anchor="ctr"/>
+              <a:lstStyle/>
+              <a:p>
+                <a:pPr algn="ctr"/>
+                <a:r>
+                  <a:rPr kumimoji="1" lang="en-US" altLang="ja-JP" dirty="0">
+                    <a:latin typeface="+mn-ea"/>
+                  </a:rPr>
+                  <a:t>ID3D12Resource</a:t>
+                </a:r>
+                <a:r>
+                  <a:rPr kumimoji="1" lang="ja-JP" altLang="en-US" dirty="0">
+                    <a:latin typeface="+mn-ea"/>
+                  </a:rPr>
+                  <a:t>型のポインタ変数作成</a:t>
+                </a:r>
+              </a:p>
+            </p:txBody>
+          </p:sp>
+          <p:sp>
+            <p:nvSpPr>
+              <p:cNvPr id="3" name="四角形: 角を丸くする 2">
+                <a:extLst>
+                  <a:ext uri="{FF2B5EF4-FFF2-40B4-BE49-F238E27FC236}">
+                    <a16:creationId xmlns:a16="http://schemas.microsoft.com/office/drawing/2014/main" id="{34F329DD-66E7-4325-9380-FA835648EB6D}"/>
+                  </a:ext>
+                </a:extLst>
+              </p:cNvPr>
+              <p:cNvSpPr/>
+              <p:nvPr/>
+            </p:nvSpPr>
+            <p:spPr>
+              <a:xfrm>
+                <a:off x="3814010" y="1424883"/>
+                <a:ext cx="4379494" cy="352927"/>
+              </a:xfrm>
+              <a:prstGeom prst="roundRect">
+                <a:avLst/>
+              </a:prstGeom>
+            </p:spPr>
+            <p:style>
+              <a:lnRef idx="2">
+                <a:schemeClr val="accent1">
+                  <a:shade val="50000"/>
+                </a:schemeClr>
+              </a:lnRef>
+              <a:fillRef idx="1">
+                <a:schemeClr val="accent1"/>
+              </a:fillRef>
+              <a:effectRef idx="0">
+                <a:schemeClr val="accent1"/>
+              </a:effectRef>
+              <a:fontRef idx="minor">
+                <a:schemeClr val="lt1"/>
+              </a:fontRef>
+            </p:style>
+            <p:txBody>
+              <a:bodyPr rtlCol="0" anchor="ctr"/>
+              <a:lstStyle/>
+              <a:p>
+                <a:pPr algn="ctr"/>
+                <a:r>
+                  <a:rPr kumimoji="1" lang="en-US" altLang="ja-JP" dirty="0">
+                    <a:latin typeface="+mn-ea"/>
+                  </a:rPr>
+                  <a:t>D3D12_Resource_Desc</a:t>
+                </a:r>
+                <a:r>
+                  <a:rPr kumimoji="1" lang="ja-JP" altLang="en-US" dirty="0">
+                    <a:latin typeface="+mn-ea"/>
+                  </a:rPr>
+                  <a:t>設定</a:t>
+                </a:r>
+                <a:r>
+                  <a:rPr kumimoji="1" lang="en-US" altLang="ja-JP" dirty="0">
+                    <a:latin typeface="+mn-ea"/>
+                  </a:rPr>
+                  <a:t> </a:t>
+                </a:r>
+              </a:p>
+            </p:txBody>
+          </p:sp>
+          <p:sp>
+            <p:nvSpPr>
+              <p:cNvPr id="4" name="四角形: 角を丸くする 3">
+                <a:extLst>
+                  <a:ext uri="{FF2B5EF4-FFF2-40B4-BE49-F238E27FC236}">
+                    <a16:creationId xmlns:a16="http://schemas.microsoft.com/office/drawing/2014/main" id="{32B7EA7D-B511-4C21-99D9-CF221822FF3D}"/>
+                  </a:ext>
+                </a:extLst>
+              </p:cNvPr>
+              <p:cNvSpPr/>
+              <p:nvPr/>
+            </p:nvSpPr>
+            <p:spPr>
+              <a:xfrm>
+                <a:off x="3814010" y="2051671"/>
+                <a:ext cx="4379494" cy="352927"/>
+              </a:xfrm>
+              <a:prstGeom prst="roundRect">
+                <a:avLst/>
+              </a:prstGeom>
+            </p:spPr>
+            <p:style>
+              <a:lnRef idx="2">
+                <a:schemeClr val="accent1">
+                  <a:shade val="50000"/>
+                </a:schemeClr>
+              </a:lnRef>
+              <a:fillRef idx="1">
+                <a:schemeClr val="accent1"/>
+              </a:fillRef>
+              <a:effectRef idx="0">
+                <a:schemeClr val="accent1"/>
+              </a:effectRef>
+              <a:fontRef idx="minor">
+                <a:schemeClr val="lt1"/>
+              </a:fontRef>
+            </p:style>
+            <p:txBody>
+              <a:bodyPr rtlCol="0" anchor="ctr"/>
+              <a:lstStyle/>
+              <a:p>
+                <a:pPr algn="ctr"/>
+                <a:r>
+                  <a:rPr kumimoji="1" lang="en-US" altLang="ja-JP" dirty="0">
+                    <a:latin typeface="+mn-ea"/>
+                  </a:rPr>
+                  <a:t>D3D12_HEAP_PROPERTIES</a:t>
+                </a:r>
+                <a:r>
+                  <a:rPr kumimoji="1" lang="ja-JP" altLang="en-US" dirty="0">
+                    <a:latin typeface="+mn-ea"/>
+                  </a:rPr>
+                  <a:t>設定</a:t>
+                </a:r>
+              </a:p>
+            </p:txBody>
+          </p:sp>
+          <p:sp>
+            <p:nvSpPr>
+              <p:cNvPr id="5" name="四角形: 角を丸くする 4">
+                <a:extLst>
+                  <a:ext uri="{FF2B5EF4-FFF2-40B4-BE49-F238E27FC236}">
+                    <a16:creationId xmlns:a16="http://schemas.microsoft.com/office/drawing/2014/main" id="{B06245F4-AAEB-4C81-8534-560886C122EB}"/>
+                  </a:ext>
+                </a:extLst>
+              </p:cNvPr>
+              <p:cNvSpPr/>
+              <p:nvPr/>
+            </p:nvSpPr>
+            <p:spPr>
+              <a:xfrm>
+                <a:off x="3814010" y="2678459"/>
+                <a:ext cx="4379494" cy="352927"/>
+              </a:xfrm>
+              <a:prstGeom prst="roundRect">
+                <a:avLst/>
+              </a:prstGeom>
+            </p:spPr>
+            <p:style>
+              <a:lnRef idx="2">
+                <a:schemeClr val="accent1">
+                  <a:shade val="50000"/>
+                </a:schemeClr>
+              </a:lnRef>
+              <a:fillRef idx="1">
+                <a:schemeClr val="accent1"/>
+              </a:fillRef>
+              <a:effectRef idx="0">
+                <a:schemeClr val="accent1"/>
+              </a:effectRef>
+              <a:fontRef idx="minor">
+                <a:schemeClr val="lt1"/>
+              </a:fontRef>
+            </p:style>
+            <p:txBody>
+              <a:bodyPr rtlCol="0" anchor="ctr"/>
+              <a:lstStyle/>
+              <a:p>
+                <a:pPr algn="ctr"/>
+                <a:r>
+                  <a:rPr kumimoji="1" lang="en-US" altLang="ja-JP" dirty="0">
+                    <a:latin typeface="+mn-ea"/>
+                  </a:rPr>
+                  <a:t>D3D12_CLEAR_VALUE</a:t>
+                </a:r>
+                <a:r>
+                  <a:rPr kumimoji="1" lang="ja-JP" altLang="en-US" dirty="0">
+                    <a:latin typeface="+mn-ea"/>
+                  </a:rPr>
+                  <a:t>設定</a:t>
+                </a:r>
+              </a:p>
+            </p:txBody>
+          </p:sp>
+          <p:sp>
+            <p:nvSpPr>
+              <p:cNvPr id="6" name="四角形: 角を丸くする 5">
+                <a:extLst>
+                  <a:ext uri="{FF2B5EF4-FFF2-40B4-BE49-F238E27FC236}">
+                    <a16:creationId xmlns:a16="http://schemas.microsoft.com/office/drawing/2014/main" id="{C5903D20-EDA9-4B53-9485-13CC65419B1D}"/>
+                  </a:ext>
+                </a:extLst>
+              </p:cNvPr>
+              <p:cNvSpPr/>
+              <p:nvPr/>
+            </p:nvSpPr>
+            <p:spPr>
+              <a:xfrm>
+                <a:off x="2342147" y="3305247"/>
+                <a:ext cx="7323221" cy="352927"/>
+              </a:xfrm>
+              <a:prstGeom prst="roundRect">
+                <a:avLst/>
+              </a:prstGeom>
+            </p:spPr>
+            <p:style>
+              <a:lnRef idx="2">
+                <a:schemeClr val="accent1">
+                  <a:shade val="50000"/>
+                </a:schemeClr>
+              </a:lnRef>
+              <a:fillRef idx="1">
+                <a:schemeClr val="accent1"/>
+              </a:fillRef>
+              <a:effectRef idx="0">
+                <a:schemeClr val="accent1"/>
+              </a:effectRef>
+              <a:fontRef idx="minor">
+                <a:schemeClr val="lt1"/>
+              </a:fontRef>
+            </p:style>
+            <p:txBody>
+              <a:bodyPr rtlCol="0" anchor="ctr"/>
+              <a:lstStyle/>
+              <a:p>
+                <a:pPr algn="ctr"/>
+                <a:r>
+                  <a:rPr kumimoji="1" lang="en-US" altLang="ja-JP" dirty="0">
+                    <a:latin typeface="+mn-ea"/>
+                  </a:rPr>
+                  <a:t>ID3D12Device::CreateCommittedResource</a:t>
+                </a:r>
+                <a:r>
+                  <a:rPr kumimoji="1" lang="ja-JP" altLang="en-US" dirty="0">
+                    <a:latin typeface="+mn-ea"/>
+                  </a:rPr>
+                  <a:t>メソッドでバッファ</a:t>
+                </a:r>
+                <a:r>
+                  <a:rPr kumimoji="1" lang="en-US" altLang="ja-JP" dirty="0">
+                    <a:latin typeface="+mn-ea"/>
+                  </a:rPr>
+                  <a:t>―</a:t>
+                </a:r>
+                <a:r>
+                  <a:rPr kumimoji="1" lang="ja-JP" altLang="en-US" dirty="0">
+                    <a:latin typeface="+mn-ea"/>
+                  </a:rPr>
+                  <a:t>生成</a:t>
+                </a:r>
+              </a:p>
+            </p:txBody>
+          </p:sp>
+          <p:grpSp>
+            <p:nvGrpSpPr>
+              <p:cNvPr id="29" name="グループ化 28">
+                <a:extLst>
+                  <a:ext uri="{FF2B5EF4-FFF2-40B4-BE49-F238E27FC236}">
+                    <a16:creationId xmlns:a16="http://schemas.microsoft.com/office/drawing/2014/main" id="{8B9B499C-8A55-4B6B-811A-20EA16F5AC53}"/>
+                  </a:ext>
+                </a:extLst>
+              </p:cNvPr>
+              <p:cNvGrpSpPr/>
+              <p:nvPr/>
+            </p:nvGrpSpPr>
+            <p:grpSpPr>
+              <a:xfrm>
+                <a:off x="1074823" y="4558823"/>
+                <a:ext cx="10122566" cy="368968"/>
+                <a:chOff x="1074823" y="4223083"/>
+                <a:chExt cx="10122566" cy="368968"/>
+              </a:xfrm>
+            </p:grpSpPr>
+            <p:sp>
+              <p:nvSpPr>
+                <p:cNvPr id="7" name="四角形: 角を丸くする 6">
+                  <a:extLst>
+                    <a:ext uri="{FF2B5EF4-FFF2-40B4-BE49-F238E27FC236}">
+                      <a16:creationId xmlns:a16="http://schemas.microsoft.com/office/drawing/2014/main" id="{AC90225D-DFFB-4C1B-BCD5-514F34469D11}"/>
+                    </a:ext>
+                  </a:extLst>
+                </p:cNvPr>
+                <p:cNvSpPr/>
+                <p:nvPr/>
+              </p:nvSpPr>
+              <p:spPr>
+                <a:xfrm>
+                  <a:off x="1074823" y="4223083"/>
+                  <a:ext cx="4379494" cy="352927"/>
+                </a:xfrm>
+                <a:prstGeom prst="roundRect">
+                  <a:avLst/>
+                </a:prstGeom>
+              </p:spPr>
+              <p:style>
+                <a:lnRef idx="2">
+                  <a:schemeClr val="accent1">
+                    <a:shade val="50000"/>
+                  </a:schemeClr>
+                </a:lnRef>
+                <a:fillRef idx="1">
+                  <a:schemeClr val="accent1"/>
+                </a:fillRef>
+                <a:effectRef idx="0">
+                  <a:schemeClr val="accent1"/>
+                </a:effectRef>
+                <a:fontRef idx="minor">
+                  <a:schemeClr val="lt1"/>
+                </a:fontRef>
+              </p:style>
+              <p:txBody>
+                <a:bodyPr rtlCol="0" anchor="ctr"/>
+                <a:lstStyle/>
+                <a:p>
+                  <a:pPr algn="ctr"/>
+                  <a:r>
+                    <a:rPr kumimoji="1" lang="en-US" altLang="ja-JP" dirty="0">
+                      <a:latin typeface="+mn-ea"/>
+                    </a:rPr>
+                    <a:t>D3D12_</a:t>
+                  </a:r>
+                  <a:r>
+                    <a:rPr kumimoji="1" lang="ja-JP" altLang="en-US" dirty="0">
+                      <a:latin typeface="+mn-ea"/>
+                    </a:rPr>
+                    <a:t>○○</a:t>
+                  </a:r>
+                  <a:r>
+                    <a:rPr kumimoji="1" lang="en-US" altLang="ja-JP" dirty="0">
+                      <a:latin typeface="+mn-ea"/>
+                    </a:rPr>
+                    <a:t>_VIEW</a:t>
+                  </a:r>
+                  <a:r>
+                    <a:rPr kumimoji="1" lang="ja-JP" altLang="en-US" dirty="0">
+                      <a:latin typeface="+mn-ea"/>
+                    </a:rPr>
+                    <a:t>設定</a:t>
+                  </a:r>
+                </a:p>
+              </p:txBody>
+            </p:sp>
+            <p:sp>
+              <p:nvSpPr>
+                <p:cNvPr id="10" name="四角形: 角を丸くする 9">
+                  <a:extLst>
+                    <a:ext uri="{FF2B5EF4-FFF2-40B4-BE49-F238E27FC236}">
+                      <a16:creationId xmlns:a16="http://schemas.microsoft.com/office/drawing/2014/main" id="{EA036CA2-245D-4326-845A-0E83A1061714}"/>
+                    </a:ext>
+                  </a:extLst>
+                </p:cNvPr>
+                <p:cNvSpPr/>
+                <p:nvPr/>
+              </p:nvSpPr>
+              <p:spPr>
+                <a:xfrm>
+                  <a:off x="6817895" y="4239124"/>
+                  <a:ext cx="4379494" cy="352927"/>
+                </a:xfrm>
+                <a:prstGeom prst="roundRect">
+                  <a:avLst/>
+                </a:prstGeom>
+              </p:spPr>
+              <p:style>
+                <a:lnRef idx="2">
+                  <a:schemeClr val="accent1">
+                    <a:shade val="50000"/>
+                  </a:schemeClr>
+                </a:lnRef>
+                <a:fillRef idx="1">
+                  <a:schemeClr val="accent1"/>
+                </a:fillRef>
+                <a:effectRef idx="0">
+                  <a:schemeClr val="accent1"/>
+                </a:effectRef>
+                <a:fontRef idx="minor">
+                  <a:schemeClr val="lt1"/>
+                </a:fontRef>
+              </p:style>
+              <p:txBody>
+                <a:bodyPr rtlCol="0" anchor="ctr"/>
+                <a:lstStyle/>
+                <a:p>
+                  <a:pPr algn="ctr"/>
+                  <a:r>
+                    <a:rPr kumimoji="1" lang="en-US" altLang="ja-JP" dirty="0">
+                      <a:latin typeface="+mn-ea"/>
+                    </a:rPr>
+                    <a:t>D3D12_</a:t>
+                  </a:r>
+                  <a:r>
+                    <a:rPr kumimoji="1" lang="ja-JP" altLang="en-US" dirty="0">
+                      <a:latin typeface="+mn-ea"/>
+                    </a:rPr>
+                    <a:t>○○</a:t>
+                  </a:r>
+                  <a:r>
+                    <a:rPr kumimoji="1" lang="en-US" altLang="ja-JP" dirty="0">
+                      <a:latin typeface="+mn-ea"/>
+                    </a:rPr>
+                    <a:t>_VIEW_DESC</a:t>
+                  </a:r>
+                  <a:r>
+                    <a:rPr kumimoji="1" lang="ja-JP" altLang="en-US" dirty="0">
+                      <a:latin typeface="+mn-ea"/>
+                    </a:rPr>
+                    <a:t>設定</a:t>
+                  </a:r>
+                </a:p>
+              </p:txBody>
+            </p:sp>
+          </p:grpSp>
+          <p:grpSp>
+            <p:nvGrpSpPr>
+              <p:cNvPr id="31" name="グループ化 30">
+                <a:extLst>
+                  <a:ext uri="{FF2B5EF4-FFF2-40B4-BE49-F238E27FC236}">
+                    <a16:creationId xmlns:a16="http://schemas.microsoft.com/office/drawing/2014/main" id="{A138F710-92F9-4F04-94B4-F8D8F2977440}"/>
+                  </a:ext>
+                </a:extLst>
+              </p:cNvPr>
+              <p:cNvGrpSpPr/>
+              <p:nvPr/>
+            </p:nvGrpSpPr>
+            <p:grpSpPr>
+              <a:xfrm>
+                <a:off x="561473" y="5201651"/>
+                <a:ext cx="11069054" cy="858254"/>
+                <a:chOff x="561473" y="5201651"/>
+                <a:chExt cx="11069054" cy="858254"/>
+              </a:xfrm>
+            </p:grpSpPr>
+            <p:sp>
+              <p:nvSpPr>
+                <p:cNvPr id="8" name="四角形: 角を丸くする 7">
+                  <a:extLst>
+                    <a:ext uri="{FF2B5EF4-FFF2-40B4-BE49-F238E27FC236}">
+                      <a16:creationId xmlns:a16="http://schemas.microsoft.com/office/drawing/2014/main" id="{AB13A9B1-011F-4248-A93F-2265742C550A}"/>
+                    </a:ext>
+                  </a:extLst>
+                </p:cNvPr>
+                <p:cNvSpPr/>
+                <p:nvPr/>
+              </p:nvSpPr>
+              <p:spPr>
+                <a:xfrm>
+                  <a:off x="561473" y="5201651"/>
+                  <a:ext cx="5678906" cy="858253"/>
+                </a:xfrm>
+                <a:prstGeom prst="roundRect">
+                  <a:avLst/>
+                </a:prstGeom>
+              </p:spPr>
+              <p:style>
+                <a:lnRef idx="2">
+                  <a:schemeClr val="accent1">
+                    <a:shade val="50000"/>
+                  </a:schemeClr>
+                </a:lnRef>
+                <a:fillRef idx="1">
+                  <a:schemeClr val="accent1"/>
+                </a:fillRef>
+                <a:effectRef idx="0">
+                  <a:schemeClr val="accent1"/>
+                </a:effectRef>
+                <a:fontRef idx="minor">
+                  <a:schemeClr val="lt1"/>
+                </a:fontRef>
+              </p:style>
+              <p:txBody>
+                <a:bodyPr rtlCol="0" anchor="ctr"/>
+                <a:lstStyle/>
+                <a:p>
+                  <a:pPr algn="ctr"/>
+                  <a:r>
+                    <a:rPr kumimoji="1" lang="en-US" altLang="ja-JP" dirty="0">
+                      <a:latin typeface="+mn-ea"/>
+                    </a:rPr>
+                    <a:t>ID3D12GraphicsCommandList::</a:t>
+                  </a:r>
+                  <a:r>
+                    <a:rPr kumimoji="1" lang="en-US" altLang="ja-JP" dirty="0" err="1">
+                      <a:latin typeface="+mn-ea"/>
+                    </a:rPr>
+                    <a:t>IASet</a:t>
+                  </a:r>
+                  <a:r>
+                    <a:rPr kumimoji="1" lang="ja-JP" altLang="en-US" dirty="0">
+                      <a:latin typeface="+mn-ea"/>
+                    </a:rPr>
+                    <a:t>○○メソッドでバッファ</a:t>
+                  </a:r>
+                  <a:r>
+                    <a:rPr kumimoji="1" lang="en-US" altLang="ja-JP" dirty="0">
+                      <a:latin typeface="+mn-ea"/>
+                    </a:rPr>
+                    <a:t>―</a:t>
+                  </a:r>
+                  <a:r>
+                    <a:rPr kumimoji="1" lang="ja-JP" altLang="en-US" dirty="0">
+                      <a:latin typeface="+mn-ea"/>
+                    </a:rPr>
+                    <a:t>ビューをセット</a:t>
+                  </a:r>
+                </a:p>
+              </p:txBody>
+            </p:sp>
+            <p:sp>
+              <p:nvSpPr>
+                <p:cNvPr id="11" name="四角形: 角を丸くする 10">
+                  <a:extLst>
+                    <a:ext uri="{FF2B5EF4-FFF2-40B4-BE49-F238E27FC236}">
+                      <a16:creationId xmlns:a16="http://schemas.microsoft.com/office/drawing/2014/main" id="{45CF41A6-F898-4F06-A56F-963872BE2260}"/>
+                    </a:ext>
+                  </a:extLst>
+                </p:cNvPr>
+                <p:cNvSpPr/>
+                <p:nvPr/>
+              </p:nvSpPr>
+              <p:spPr>
+                <a:xfrm>
+                  <a:off x="6601327" y="5201652"/>
+                  <a:ext cx="5029200" cy="858253"/>
+                </a:xfrm>
+                <a:prstGeom prst="roundRect">
+                  <a:avLst/>
+                </a:prstGeom>
+              </p:spPr>
+              <p:style>
+                <a:lnRef idx="2">
+                  <a:schemeClr val="accent1">
+                    <a:shade val="50000"/>
+                  </a:schemeClr>
+                </a:lnRef>
+                <a:fillRef idx="1">
+                  <a:schemeClr val="accent1"/>
+                </a:fillRef>
+                <a:effectRef idx="0">
+                  <a:schemeClr val="accent1"/>
+                </a:effectRef>
+                <a:fontRef idx="minor">
+                  <a:schemeClr val="lt1"/>
+                </a:fontRef>
+              </p:style>
+              <p:txBody>
+                <a:bodyPr rtlCol="0" anchor="ctr"/>
+                <a:lstStyle/>
+                <a:p>
+                  <a:pPr algn="ctr"/>
+                  <a:r>
+                    <a:rPr kumimoji="1" lang="en-US" altLang="ja-JP" dirty="0">
+                      <a:latin typeface="+mn-ea"/>
+                    </a:rPr>
+                    <a:t>ID3D12::Create</a:t>
+                  </a:r>
+                  <a:r>
+                    <a:rPr kumimoji="1" lang="ja-JP" altLang="en-US" dirty="0">
+                      <a:latin typeface="+mn-ea"/>
+                    </a:rPr>
+                    <a:t>○○</a:t>
+                  </a:r>
+                  <a:r>
+                    <a:rPr kumimoji="1" lang="en-US" altLang="ja-JP" dirty="0">
+                      <a:latin typeface="+mn-ea"/>
+                    </a:rPr>
+                    <a:t>View</a:t>
+                  </a:r>
+                  <a:r>
+                    <a:rPr kumimoji="1" lang="ja-JP" altLang="en-US" dirty="0">
+                      <a:latin typeface="+mn-ea"/>
+                    </a:rPr>
+                    <a:t>メソッドで</a:t>
+                  </a:r>
+                  <a:br>
+                    <a:rPr kumimoji="1" lang="en-US" altLang="ja-JP" dirty="0">
+                      <a:latin typeface="+mn-ea"/>
+                    </a:rPr>
+                  </a:br>
+                  <a:r>
+                    <a:rPr kumimoji="1" lang="ja-JP" altLang="en-US" dirty="0">
+                      <a:latin typeface="+mn-ea"/>
+                    </a:rPr>
+                    <a:t>ディスクリプタヒープ上にビューを生成</a:t>
+                  </a:r>
+                </a:p>
+              </p:txBody>
+            </p:sp>
+          </p:grpSp>
+          <p:sp>
+            <p:nvSpPr>
+              <p:cNvPr id="12" name="四角形: 角を丸くする 11">
+                <a:extLst>
+                  <a:ext uri="{FF2B5EF4-FFF2-40B4-BE49-F238E27FC236}">
+                    <a16:creationId xmlns:a16="http://schemas.microsoft.com/office/drawing/2014/main" id="{94514709-B0B4-4540-B452-C8591A098A66}"/>
+                  </a:ext>
+                </a:extLst>
+              </p:cNvPr>
+              <p:cNvSpPr/>
+              <p:nvPr/>
+            </p:nvSpPr>
+            <p:spPr>
+              <a:xfrm>
+                <a:off x="2819400" y="3932035"/>
+                <a:ext cx="6368714" cy="352927"/>
+              </a:xfrm>
+              <a:prstGeom prst="roundRect">
+                <a:avLst/>
+              </a:prstGeom>
+            </p:spPr>
+            <p:style>
+              <a:lnRef idx="2">
+                <a:schemeClr val="accent1">
+                  <a:shade val="50000"/>
+                </a:schemeClr>
+              </a:lnRef>
+              <a:fillRef idx="1">
+                <a:schemeClr val="accent1"/>
+              </a:fillRef>
+              <a:effectRef idx="0">
+                <a:schemeClr val="accent1"/>
+              </a:effectRef>
+              <a:fontRef idx="minor">
+                <a:schemeClr val="lt1"/>
+              </a:fontRef>
+            </p:style>
+            <p:txBody>
+              <a:bodyPr rtlCol="0" anchor="ctr"/>
+              <a:lstStyle/>
+              <a:p>
+                <a:pPr algn="ctr"/>
+                <a:r>
+                  <a:rPr kumimoji="1" lang="en-US" altLang="ja-JP" dirty="0">
+                    <a:latin typeface="+mn-ea"/>
+                  </a:rPr>
+                  <a:t>ID3D12Resource::Map</a:t>
+                </a:r>
+                <a:r>
+                  <a:rPr kumimoji="1" lang="ja-JP" altLang="en-US" dirty="0">
+                    <a:latin typeface="+mn-ea"/>
+                  </a:rPr>
+                  <a:t>など、バッファ</a:t>
+                </a:r>
+                <a:r>
+                  <a:rPr kumimoji="1" lang="en-US" altLang="ja-JP" dirty="0">
+                    <a:latin typeface="+mn-ea"/>
+                  </a:rPr>
+                  <a:t>―</a:t>
+                </a:r>
+                <a:r>
+                  <a:rPr kumimoji="1" lang="ja-JP" altLang="en-US" dirty="0">
+                    <a:latin typeface="+mn-ea"/>
+                  </a:rPr>
+                  <a:t>へデータコピー</a:t>
+                </a:r>
+              </a:p>
+            </p:txBody>
+          </p:sp>
+        </p:grpSp>
+      </p:grpSp>
     </p:spTree>
     <p:extLst>
       <p:ext uri="{BB962C8B-B14F-4D97-AF65-F5344CB8AC3E}">

--- a/DirectXImage.pptx
+++ b/DirectXImage.pptx
@@ -5,7 +5,7 @@
     <p:sldMasterId id="2147483804" r:id="rId1"/>
   </p:sldMasterIdLst>
   <p:notesMasterIdLst>
-    <p:notesMasterId r:id="rId9"/>
+    <p:notesMasterId r:id="rId10"/>
   </p:notesMasterIdLst>
   <p:sldIdLst>
     <p:sldId id="256" r:id="rId2"/>
@@ -15,6 +15,7 @@
     <p:sldId id="259" r:id="rId6"/>
     <p:sldId id="261" r:id="rId7"/>
     <p:sldId id="262" r:id="rId8"/>
+    <p:sldId id="263" r:id="rId9"/>
   </p:sldIdLst>
   <p:sldSz cx="12192000" cy="6858000"/>
   <p:notesSz cx="6858000" cy="9144000"/>
@@ -203,7 +204,7 @@
           <a:p>
             <a:fld id="{6DEFC545-184C-46B8-856F-DA8598283A2A}" type="datetimeFigureOut">
               <a:rPr kumimoji="1" lang="ja-JP" altLang="en-US" smtClean="0"/>
-              <a:t>2022/1/14</a:t>
+              <a:t>2022/1/19</a:t>
             </a:fld>
             <a:endParaRPr kumimoji="1" lang="ja-JP" altLang="en-US"/>
           </a:p>
@@ -698,7 +699,7 @@
           <a:p>
             <a:fld id="{34C586F5-F7A9-41E4-9F94-B83B02444E5C}" type="datetimeFigureOut">
               <a:rPr kumimoji="1" lang="ja-JP" altLang="en-US" smtClean="0"/>
-              <a:t>2022/1/14</a:t>
+              <a:t>2022/1/19</a:t>
             </a:fld>
             <a:endParaRPr kumimoji="1" lang="ja-JP" altLang="en-US"/>
           </a:p>
@@ -951,7 +952,7 @@
           <a:p>
             <a:fld id="{34C586F5-F7A9-41E4-9F94-B83B02444E5C}" type="datetimeFigureOut">
               <a:rPr kumimoji="1" lang="ja-JP" altLang="en-US" smtClean="0"/>
-              <a:t>2022/1/14</a:t>
+              <a:t>2022/1/19</a:t>
             </a:fld>
             <a:endParaRPr kumimoji="1" lang="ja-JP" altLang="en-US"/>
           </a:p>
@@ -1163,7 +1164,7 @@
           <a:p>
             <a:fld id="{34C586F5-F7A9-41E4-9F94-B83B02444E5C}" type="datetimeFigureOut">
               <a:rPr kumimoji="1" lang="ja-JP" altLang="en-US" smtClean="0"/>
-              <a:t>2022/1/14</a:t>
+              <a:t>2022/1/19</a:t>
             </a:fld>
             <a:endParaRPr kumimoji="1" lang="ja-JP" altLang="en-US"/>
           </a:p>
@@ -1365,7 +1366,7 @@
           <a:p>
             <a:fld id="{34C586F5-F7A9-41E4-9F94-B83B02444E5C}" type="datetimeFigureOut">
               <a:rPr kumimoji="1" lang="ja-JP" altLang="en-US" smtClean="0"/>
-              <a:t>2022/1/14</a:t>
+              <a:t>2022/1/19</a:t>
             </a:fld>
             <a:endParaRPr kumimoji="1" lang="ja-JP" altLang="en-US"/>
           </a:p>
@@ -1616,7 +1617,7 @@
           <a:p>
             <a:fld id="{34C586F5-F7A9-41E4-9F94-B83B02444E5C}" type="datetimeFigureOut">
               <a:rPr kumimoji="1" lang="ja-JP" altLang="en-US" smtClean="0"/>
-              <a:t>2022/1/14</a:t>
+              <a:t>2022/1/19</a:t>
             </a:fld>
             <a:endParaRPr kumimoji="1" lang="ja-JP" altLang="en-US"/>
           </a:p>
@@ -2003,7 +2004,7 @@
           <a:p>
             <a:fld id="{34C586F5-F7A9-41E4-9F94-B83B02444E5C}" type="datetimeFigureOut">
               <a:rPr kumimoji="1" lang="ja-JP" altLang="en-US" smtClean="0"/>
-              <a:t>2022/1/14</a:t>
+              <a:t>2022/1/19</a:t>
             </a:fld>
             <a:endParaRPr kumimoji="1" lang="ja-JP" altLang="en-US"/>
           </a:p>
@@ -2491,7 +2492,7 @@
           <a:p>
             <a:fld id="{34C586F5-F7A9-41E4-9F94-B83B02444E5C}" type="datetimeFigureOut">
               <a:rPr kumimoji="1" lang="ja-JP" altLang="en-US" smtClean="0"/>
-              <a:t>2022/1/14</a:t>
+              <a:t>2022/1/19</a:t>
             </a:fld>
             <a:endParaRPr kumimoji="1" lang="ja-JP" altLang="en-US"/>
           </a:p>
@@ -2609,7 +2610,7 @@
           <a:p>
             <a:fld id="{34C586F5-F7A9-41E4-9F94-B83B02444E5C}" type="datetimeFigureOut">
               <a:rPr kumimoji="1" lang="ja-JP" altLang="en-US" smtClean="0"/>
-              <a:t>2022/1/14</a:t>
+              <a:t>2022/1/19</a:t>
             </a:fld>
             <a:endParaRPr kumimoji="1" lang="ja-JP" altLang="en-US"/>
           </a:p>
@@ -2704,7 +2705,7 @@
           <a:p>
             <a:fld id="{34C586F5-F7A9-41E4-9F94-B83B02444E5C}" type="datetimeFigureOut">
               <a:rPr kumimoji="1" lang="ja-JP" altLang="en-US" smtClean="0"/>
-              <a:t>2022/1/14</a:t>
+              <a:t>2022/1/19</a:t>
             </a:fld>
             <a:endParaRPr kumimoji="1" lang="ja-JP" altLang="en-US"/>
           </a:p>
@@ -3026,7 +3027,7 @@
           <a:p>
             <a:fld id="{34C586F5-F7A9-41E4-9F94-B83B02444E5C}" type="datetimeFigureOut">
               <a:rPr kumimoji="1" lang="ja-JP" altLang="en-US" smtClean="0"/>
-              <a:t>2022/1/14</a:t>
+              <a:t>2022/1/19</a:t>
             </a:fld>
             <a:endParaRPr kumimoji="1" lang="ja-JP" altLang="en-US"/>
           </a:p>
@@ -3298,7 +3299,7 @@
           <a:p>
             <a:fld id="{34C586F5-F7A9-41E4-9F94-B83B02444E5C}" type="datetimeFigureOut">
               <a:rPr kumimoji="1" lang="ja-JP" altLang="en-US" smtClean="0"/>
-              <a:t>2022/1/14</a:t>
+              <a:t>2022/1/19</a:t>
             </a:fld>
             <a:endParaRPr kumimoji="1" lang="ja-JP" altLang="en-US"/>
           </a:p>
@@ -3584,7 +3585,7 @@
           <a:p>
             <a:fld id="{34C586F5-F7A9-41E4-9F94-B83B02444E5C}" type="datetimeFigureOut">
               <a:rPr kumimoji="1" lang="ja-JP" altLang="en-US" smtClean="0"/>
-              <a:t>2022/1/14</a:t>
+              <a:t>2022/1/19</a:t>
             </a:fld>
             <a:endParaRPr kumimoji="1" lang="ja-JP" altLang="en-US"/>
           </a:p>
@@ -14916,6 +14917,462 @@
 </p:sld>
 </file>
 
+<file path=ppt/slides/slide8.xml><?xml version="1.0" encoding="utf-8"?>
+<p:sld xmlns:a="http://schemas.openxmlformats.org/drawingml/2006/main" xmlns:r="http://schemas.openxmlformats.org/officeDocument/2006/relationships" xmlns:p="http://schemas.openxmlformats.org/presentationml/2006/main">
+  <p:cSld>
+    <p:spTree>
+      <p:nvGrpSpPr>
+        <p:cNvPr id="1" name=""/>
+        <p:cNvGrpSpPr/>
+        <p:nvPr/>
+      </p:nvGrpSpPr>
+      <p:grpSpPr>
+        <a:xfrm>
+          <a:off x="0" y="0"/>
+          <a:ext cx="0" cy="0"/>
+          <a:chOff x="0" y="0"/>
+          <a:chExt cx="0" cy="0"/>
+        </a:xfrm>
+      </p:grpSpPr>
+      <p:sp>
+        <p:nvSpPr>
+          <p:cNvPr id="3" name="正方形/長方形 2">
+            <a:extLst>
+              <a:ext uri="{FF2B5EF4-FFF2-40B4-BE49-F238E27FC236}">
+                <a16:creationId xmlns:a16="http://schemas.microsoft.com/office/drawing/2014/main" id="{67636B7F-5E1F-4AC3-BD48-F0D10C409DFA}"/>
+              </a:ext>
+            </a:extLst>
+          </p:cNvPr>
+          <p:cNvSpPr/>
+          <p:nvPr/>
+        </p:nvSpPr>
+        <p:spPr>
+          <a:xfrm>
+            <a:off x="10299318" y="4011817"/>
+            <a:ext cx="2374231" cy="1909010"/>
+          </a:xfrm>
+          <a:prstGeom prst="rect">
+            <a:avLst/>
+          </a:prstGeom>
+        </p:spPr>
+        <p:style>
+          <a:lnRef idx="2">
+            <a:schemeClr val="accent1">
+              <a:shade val="50000"/>
+            </a:schemeClr>
+          </a:lnRef>
+          <a:fillRef idx="1">
+            <a:schemeClr val="accent1"/>
+          </a:fillRef>
+          <a:effectRef idx="0">
+            <a:schemeClr val="accent1"/>
+          </a:effectRef>
+          <a:fontRef idx="minor">
+            <a:schemeClr val="lt1"/>
+          </a:fontRef>
+        </p:style>
+        <p:txBody>
+          <a:bodyPr rtlCol="0" anchor="ctr"/>
+          <a:lstStyle/>
+          <a:p>
+            <a:pPr algn="ctr"/>
+            <a:r>
+              <a:rPr kumimoji="1" lang="ja-JP" altLang="en-US" dirty="0"/>
+              <a:t>ペラポリゴン２枚目</a:t>
+            </a:r>
+            <a:endParaRPr kumimoji="1" lang="en-US" altLang="ja-JP" dirty="0"/>
+          </a:p>
+          <a:p>
+            <a:pPr algn="ctr"/>
+            <a:r>
+              <a:rPr kumimoji="1" lang="ja-JP" altLang="en-US" dirty="0"/>
+              <a:t>エフェクト１適用</a:t>
+            </a:r>
+          </a:p>
+        </p:txBody>
+      </p:sp>
+      <p:grpSp>
+        <p:nvGrpSpPr>
+          <p:cNvPr id="13" name="グループ化 12">
+            <a:extLst>
+              <a:ext uri="{FF2B5EF4-FFF2-40B4-BE49-F238E27FC236}">
+                <a16:creationId xmlns:a16="http://schemas.microsoft.com/office/drawing/2014/main" id="{45C955DC-2AAB-429F-B62B-72E3088D94E9}"/>
+              </a:ext>
+            </a:extLst>
+          </p:cNvPr>
+          <p:cNvGrpSpPr/>
+          <p:nvPr/>
+        </p:nvGrpSpPr>
+        <p:grpSpPr>
+          <a:xfrm>
+            <a:off x="4005083" y="539417"/>
+            <a:ext cx="3015916" cy="2583689"/>
+            <a:chOff x="8702842" y="1371601"/>
+            <a:chExt cx="3015916" cy="2583689"/>
+          </a:xfrm>
+        </p:grpSpPr>
+        <p:sp>
+          <p:nvSpPr>
+            <p:cNvPr id="4" name="正方形/長方形 3">
+              <a:extLst>
+                <a:ext uri="{FF2B5EF4-FFF2-40B4-BE49-F238E27FC236}">
+                  <a16:creationId xmlns:a16="http://schemas.microsoft.com/office/drawing/2014/main" id="{0A7DE371-9EA6-469E-BA7D-AF429BAFAF9B}"/>
+                </a:ext>
+              </a:extLst>
+            </p:cNvPr>
+            <p:cNvSpPr/>
+            <p:nvPr/>
+          </p:nvSpPr>
+          <p:spPr>
+            <a:xfrm>
+              <a:off x="9103895" y="1371601"/>
+              <a:ext cx="2213810" cy="1652336"/>
+            </a:xfrm>
+            <a:prstGeom prst="rect">
+              <a:avLst/>
+            </a:prstGeom>
+          </p:spPr>
+          <p:style>
+            <a:lnRef idx="2">
+              <a:schemeClr val="accent1">
+                <a:shade val="50000"/>
+              </a:schemeClr>
+            </a:lnRef>
+            <a:fillRef idx="1">
+              <a:schemeClr val="accent1"/>
+            </a:fillRef>
+            <a:effectRef idx="0">
+              <a:schemeClr val="accent1"/>
+            </a:effectRef>
+            <a:fontRef idx="minor">
+              <a:schemeClr val="lt1"/>
+            </a:fontRef>
+          </p:style>
+          <p:txBody>
+            <a:bodyPr rtlCol="0" anchor="ctr"/>
+            <a:lstStyle/>
+            <a:p>
+              <a:pPr algn="ctr"/>
+              <a:r>
+                <a:rPr kumimoji="1" lang="ja-JP" altLang="en-US" dirty="0"/>
+                <a:t>バックバッファ</a:t>
+              </a:r>
+              <a:r>
+                <a:rPr kumimoji="1" lang="en-US" altLang="ja-JP" dirty="0"/>
+                <a:t>―</a:t>
+              </a:r>
+            </a:p>
+          </p:txBody>
+        </p:sp>
+        <p:sp>
+          <p:nvSpPr>
+            <p:cNvPr id="9" name="テキスト ボックス 8">
+              <a:extLst>
+                <a:ext uri="{FF2B5EF4-FFF2-40B4-BE49-F238E27FC236}">
+                  <a16:creationId xmlns:a16="http://schemas.microsoft.com/office/drawing/2014/main" id="{69502A3F-DA9D-4778-B3B5-066F33124C08}"/>
+                </a:ext>
+              </a:extLst>
+            </p:cNvPr>
+            <p:cNvSpPr txBox="1"/>
+            <p:nvPr/>
+          </p:nvSpPr>
+          <p:spPr>
+            <a:xfrm>
+              <a:off x="8702842" y="3031960"/>
+              <a:ext cx="3015916" cy="923330"/>
+            </a:xfrm>
+            <a:prstGeom prst="rect">
+              <a:avLst/>
+            </a:prstGeom>
+            <a:noFill/>
+          </p:spPr>
+          <p:txBody>
+            <a:bodyPr wrap="square" rtlCol="0">
+              <a:spAutoFit/>
+            </a:bodyPr>
+            <a:lstStyle/>
+            <a:p>
+              <a:pPr algn="ctr"/>
+              <a:r>
+                <a:rPr kumimoji="1" lang="en-US" altLang="ja-JP" dirty="0">
+                  <a:latin typeface="+mn-ea"/>
+                </a:rPr>
+                <a:t>_peraPipeline2</a:t>
+              </a:r>
+            </a:p>
+            <a:p>
+              <a:pPr algn="ctr"/>
+              <a:r>
+                <a:rPr kumimoji="1" lang="en-US" altLang="ja-JP" dirty="0">
+                  <a:latin typeface="+mn-ea"/>
+                </a:rPr>
+                <a:t>_</a:t>
+              </a:r>
+              <a:r>
+                <a:rPr kumimoji="1" lang="en-US" altLang="ja-JP" dirty="0" err="1">
+                  <a:latin typeface="+mn-ea"/>
+                </a:rPr>
+                <a:t>backbuffer</a:t>
+              </a:r>
+              <a:endParaRPr kumimoji="1" lang="en-US" altLang="ja-JP" dirty="0">
+                <a:latin typeface="+mn-ea"/>
+              </a:endParaRPr>
+            </a:p>
+            <a:p>
+              <a:pPr algn="ctr"/>
+              <a:r>
+                <a:rPr kumimoji="1" lang="en-US" altLang="ja-JP" dirty="0" err="1">
+                  <a:latin typeface="+mn-ea"/>
+                </a:rPr>
+                <a:t>VerticalBokehPS</a:t>
+              </a:r>
+              <a:endParaRPr kumimoji="1" lang="en-US" altLang="ja-JP" dirty="0">
+                <a:latin typeface="+mn-ea"/>
+              </a:endParaRPr>
+            </a:p>
+          </p:txBody>
+        </p:sp>
+      </p:grpSp>
+      <p:grpSp>
+        <p:nvGrpSpPr>
+          <p:cNvPr id="12" name="グループ化 11">
+            <a:extLst>
+              <a:ext uri="{FF2B5EF4-FFF2-40B4-BE49-F238E27FC236}">
+                <a16:creationId xmlns:a16="http://schemas.microsoft.com/office/drawing/2014/main" id="{0FD3ED38-407F-4E60-AF98-6739CB282D3A}"/>
+              </a:ext>
+            </a:extLst>
+          </p:cNvPr>
+          <p:cNvGrpSpPr/>
+          <p:nvPr/>
+        </p:nvGrpSpPr>
+        <p:grpSpPr>
+          <a:xfrm>
+            <a:off x="675773" y="525381"/>
+            <a:ext cx="3015916" cy="3109338"/>
+            <a:chOff x="561473" y="1668381"/>
+            <a:chExt cx="3015916" cy="3109338"/>
+          </a:xfrm>
+        </p:grpSpPr>
+        <p:sp>
+          <p:nvSpPr>
+            <p:cNvPr id="2" name="正方形/長方形 1">
+              <a:extLst>
+                <a:ext uri="{FF2B5EF4-FFF2-40B4-BE49-F238E27FC236}">
+                  <a16:creationId xmlns:a16="http://schemas.microsoft.com/office/drawing/2014/main" id="{D4C06FE1-9864-47A5-8CA7-6182F5ED5380}"/>
+                </a:ext>
+              </a:extLst>
+            </p:cNvPr>
+            <p:cNvSpPr/>
+            <p:nvPr/>
+          </p:nvSpPr>
+          <p:spPr>
+            <a:xfrm>
+              <a:off x="930442" y="1668381"/>
+              <a:ext cx="2318084" cy="1909010"/>
+            </a:xfrm>
+            <a:prstGeom prst="rect">
+              <a:avLst/>
+            </a:prstGeom>
+          </p:spPr>
+          <p:style>
+            <a:lnRef idx="2">
+              <a:schemeClr val="accent1">
+                <a:shade val="50000"/>
+              </a:schemeClr>
+            </a:lnRef>
+            <a:fillRef idx="1">
+              <a:schemeClr val="accent1"/>
+            </a:fillRef>
+            <a:effectRef idx="0">
+              <a:schemeClr val="accent1"/>
+            </a:effectRef>
+            <a:fontRef idx="minor">
+              <a:schemeClr val="lt1"/>
+            </a:fontRef>
+          </p:style>
+          <p:txBody>
+            <a:bodyPr rtlCol="0" anchor="ctr"/>
+            <a:lstStyle/>
+            <a:p>
+              <a:pPr algn="ctr"/>
+              <a:r>
+                <a:rPr kumimoji="1" lang="ja-JP" altLang="en-US" dirty="0"/>
+                <a:t>ペラポリゴン１枚目</a:t>
+              </a:r>
+              <a:endParaRPr kumimoji="1" lang="en-US" altLang="ja-JP" dirty="0"/>
+            </a:p>
+            <a:p>
+              <a:pPr algn="ctr"/>
+              <a:r>
+                <a:rPr kumimoji="1" lang="ja-JP" altLang="en-US" dirty="0"/>
+                <a:t>通常のレンダリング</a:t>
+              </a:r>
+              <a:endParaRPr kumimoji="1" lang="en-US" altLang="ja-JP" dirty="0"/>
+            </a:p>
+            <a:p>
+              <a:pPr algn="ctr"/>
+              <a:r>
+                <a:rPr kumimoji="1" lang="en-US" altLang="ja-JP" dirty="0"/>
+                <a:t>PMD</a:t>
+              </a:r>
+              <a:r>
+                <a:rPr kumimoji="1" lang="ja-JP" altLang="en-US" dirty="0"/>
+                <a:t>モデル表示</a:t>
+              </a:r>
+              <a:endParaRPr kumimoji="1" lang="en-US" altLang="ja-JP" dirty="0"/>
+            </a:p>
+            <a:p>
+              <a:pPr algn="ctr"/>
+              <a:r>
+                <a:rPr kumimoji="1" lang="ja-JP" altLang="en-US" dirty="0"/>
+                <a:t>深度値</a:t>
+              </a:r>
+            </a:p>
+          </p:txBody>
+        </p:sp>
+        <p:sp>
+          <p:nvSpPr>
+            <p:cNvPr id="10" name="テキスト ボックス 9">
+              <a:extLst>
+                <a:ext uri="{FF2B5EF4-FFF2-40B4-BE49-F238E27FC236}">
+                  <a16:creationId xmlns:a16="http://schemas.microsoft.com/office/drawing/2014/main" id="{74AB7E92-44D0-4D90-9F50-23194FC10800}"/>
+                </a:ext>
+              </a:extLst>
+            </p:cNvPr>
+            <p:cNvSpPr txBox="1"/>
+            <p:nvPr/>
+          </p:nvSpPr>
+          <p:spPr>
+            <a:xfrm>
+              <a:off x="561473" y="3577390"/>
+              <a:ext cx="3015916" cy="1200329"/>
+            </a:xfrm>
+            <a:prstGeom prst="rect">
+              <a:avLst/>
+            </a:prstGeom>
+            <a:noFill/>
+          </p:spPr>
+          <p:txBody>
+            <a:bodyPr wrap="square" rtlCol="0">
+              <a:spAutoFit/>
+            </a:bodyPr>
+            <a:lstStyle/>
+            <a:p>
+              <a:pPr algn="ctr"/>
+              <a:r>
+                <a:rPr kumimoji="1" lang="en-US" altLang="ja-JP" dirty="0">
+                  <a:latin typeface="+mn-ea"/>
+                </a:rPr>
+                <a:t>_</a:t>
+              </a:r>
+              <a:r>
+                <a:rPr kumimoji="1" lang="en-US" altLang="ja-JP" dirty="0" err="1">
+                  <a:latin typeface="+mn-ea"/>
+                </a:rPr>
+                <a:t>pmdPipeline</a:t>
+              </a:r>
+              <a:endParaRPr kumimoji="1" lang="en-US" altLang="ja-JP" dirty="0">
+                <a:latin typeface="+mn-ea"/>
+              </a:endParaRPr>
+            </a:p>
+            <a:p>
+              <a:pPr algn="ctr"/>
+              <a:r>
+                <a:rPr kumimoji="1" lang="en-US" altLang="ja-JP" dirty="0" err="1">
+                  <a:latin typeface="+mn-ea"/>
+                </a:rPr>
+                <a:t>BasicPixelShader</a:t>
+              </a:r>
+              <a:endParaRPr kumimoji="1" lang="en-US" altLang="ja-JP" dirty="0">
+                <a:latin typeface="+mn-ea"/>
+              </a:endParaRPr>
+            </a:p>
+            <a:p>
+              <a:pPr algn="ctr"/>
+              <a:r>
+                <a:rPr kumimoji="1" lang="en-US" altLang="ja-JP" dirty="0" err="1">
+                  <a:latin typeface="+mn-ea"/>
+                </a:rPr>
+                <a:t>BasicVertexShader</a:t>
+              </a:r>
+              <a:endParaRPr kumimoji="1" lang="en-US" altLang="ja-JP" dirty="0">
+                <a:latin typeface="+mn-ea"/>
+              </a:endParaRPr>
+            </a:p>
+            <a:p>
+              <a:pPr algn="ctr"/>
+              <a:r>
+                <a:rPr kumimoji="1" lang="en-US" altLang="ja-JP" dirty="0">
+                  <a:latin typeface="+mn-ea"/>
+                </a:rPr>
+                <a:t>_peraResource1</a:t>
+              </a:r>
+            </a:p>
+          </p:txBody>
+        </p:sp>
+      </p:grpSp>
+      <p:sp>
+        <p:nvSpPr>
+          <p:cNvPr id="11" name="四角形: 角を丸くする 10">
+            <a:extLst>
+              <a:ext uri="{FF2B5EF4-FFF2-40B4-BE49-F238E27FC236}">
+                <a16:creationId xmlns:a16="http://schemas.microsoft.com/office/drawing/2014/main" id="{33F912DC-9D9F-478E-A79B-95057050DBD4}"/>
+              </a:ext>
+            </a:extLst>
+          </p:cNvPr>
+          <p:cNvSpPr/>
+          <p:nvPr/>
+        </p:nvSpPr>
+        <p:spPr>
+          <a:xfrm>
+            <a:off x="1118364" y="3687679"/>
+            <a:ext cx="5502871" cy="457200"/>
+          </a:xfrm>
+          <a:prstGeom prst="roundRect">
+            <a:avLst/>
+          </a:prstGeom>
+        </p:spPr>
+        <p:style>
+          <a:lnRef idx="2">
+            <a:schemeClr val="accent1">
+              <a:shade val="50000"/>
+            </a:schemeClr>
+          </a:lnRef>
+          <a:fillRef idx="1">
+            <a:schemeClr val="accent1"/>
+          </a:fillRef>
+          <a:effectRef idx="0">
+            <a:schemeClr val="accent1"/>
+          </a:effectRef>
+          <a:fontRef idx="minor">
+            <a:schemeClr val="lt1"/>
+          </a:fontRef>
+        </p:style>
+        <p:txBody>
+          <a:bodyPr rtlCol="0" anchor="ctr"/>
+          <a:lstStyle/>
+          <a:p>
+            <a:pPr algn="ctr"/>
+            <a:r>
+              <a:rPr kumimoji="1" lang="ja-JP" altLang="en-US" dirty="0"/>
+              <a:t>深度バッファー</a:t>
+            </a:r>
+          </a:p>
+        </p:txBody>
+      </p:sp>
+    </p:spTree>
+    <p:extLst>
+      <p:ext uri="{BB962C8B-B14F-4D97-AF65-F5344CB8AC3E}">
+        <p14:creationId xmlns:p14="http://schemas.microsoft.com/office/powerpoint/2010/main" val="3650173087"/>
+      </p:ext>
+    </p:extLst>
+  </p:cSld>
+  <p:clrMapOvr>
+    <a:masterClrMapping/>
+  </p:clrMapOvr>
+</p:sld>
+</file>
+
 <file path=ppt/theme/theme1.xml><?xml version="1.0" encoding="utf-8"?>
 <a:theme xmlns:a="http://schemas.openxmlformats.org/drawingml/2006/main" name="基礎">
   <a:themeElements>
